--- a/doc/SnakeBite.pptx
+++ b/doc/SnakeBite.pptx
@@ -7,11 +7,14 @@
   <p:sldIdLst>
     <p:sldId id="256" r:id="rId2"/>
     <p:sldId id="257" r:id="rId3"/>
-    <p:sldId id="258" r:id="rId4"/>
-    <p:sldId id="259" r:id="rId5"/>
-    <p:sldId id="260" r:id="rId6"/>
-    <p:sldId id="261" r:id="rId7"/>
-    <p:sldId id="262" r:id="rId8"/>
+    <p:sldId id="263" r:id="rId4"/>
+    <p:sldId id="258" r:id="rId5"/>
+    <p:sldId id="265" r:id="rId6"/>
+    <p:sldId id="264" r:id="rId7"/>
+    <p:sldId id="259" r:id="rId8"/>
+    <p:sldId id="260" r:id="rId9"/>
+    <p:sldId id="261" r:id="rId10"/>
+    <p:sldId id="262" r:id="rId11"/>
   </p:sldIdLst>
   <p:sldSz cx="12192000" cy="6858000"/>
   <p:notesSz cx="6858000" cy="9144000"/>
@@ -110,6 +113,11 @@
       </a:defRPr>
     </a:lvl9pPr>
   </p:defaultTextStyle>
+  <p:extLst>
+    <p:ext uri="{EFAFB233-063F-42B5-8137-9DF3F51BA10A}">
+      <p15:sldGuideLst xmlns:p15="http://schemas.microsoft.com/office/powerpoint/2012/main"/>
+    </p:ext>
+  </p:extLst>
 </p:presentation>
 </file>
 
@@ -244,7 +252,7 @@
           <a:p>
             <a:fld id="{A1743C35-D236-4E76-A03F-BD9B1F550C78}" type="datetimeFigureOut">
               <a:rPr lang="cs-CZ" smtClean="0"/>
-              <a:t>24.06.2023</a:t>
+              <a:t>27.06.2023</a:t>
             </a:fld>
             <a:endParaRPr lang="cs-CZ"/>
           </a:p>
@@ -414,7 +422,7 @@
           <a:p>
             <a:fld id="{A1743C35-D236-4E76-A03F-BD9B1F550C78}" type="datetimeFigureOut">
               <a:rPr lang="cs-CZ" smtClean="0"/>
-              <a:t>24.06.2023</a:t>
+              <a:t>27.06.2023</a:t>
             </a:fld>
             <a:endParaRPr lang="cs-CZ"/>
           </a:p>
@@ -594,7 +602,7 @@
           <a:p>
             <a:fld id="{A1743C35-D236-4E76-A03F-BD9B1F550C78}" type="datetimeFigureOut">
               <a:rPr lang="cs-CZ" smtClean="0"/>
-              <a:t>24.06.2023</a:t>
+              <a:t>27.06.2023</a:t>
             </a:fld>
             <a:endParaRPr lang="cs-CZ"/>
           </a:p>
@@ -764,7 +772,7 @@
           <a:p>
             <a:fld id="{A1743C35-D236-4E76-A03F-BD9B1F550C78}" type="datetimeFigureOut">
               <a:rPr lang="cs-CZ" smtClean="0"/>
-              <a:t>24.06.2023</a:t>
+              <a:t>27.06.2023</a:t>
             </a:fld>
             <a:endParaRPr lang="cs-CZ"/>
           </a:p>
@@ -1010,7 +1018,7 @@
           <a:p>
             <a:fld id="{A1743C35-D236-4E76-A03F-BD9B1F550C78}" type="datetimeFigureOut">
               <a:rPr lang="cs-CZ" smtClean="0"/>
-              <a:t>24.06.2023</a:t>
+              <a:t>27.06.2023</a:t>
             </a:fld>
             <a:endParaRPr lang="cs-CZ"/>
           </a:p>
@@ -1242,7 +1250,7 @@
           <a:p>
             <a:fld id="{A1743C35-D236-4E76-A03F-BD9B1F550C78}" type="datetimeFigureOut">
               <a:rPr lang="cs-CZ" smtClean="0"/>
-              <a:t>24.06.2023</a:t>
+              <a:t>27.06.2023</a:t>
             </a:fld>
             <a:endParaRPr lang="cs-CZ"/>
           </a:p>
@@ -1609,7 +1617,7 @@
           <a:p>
             <a:fld id="{A1743C35-D236-4E76-A03F-BD9B1F550C78}" type="datetimeFigureOut">
               <a:rPr lang="cs-CZ" smtClean="0"/>
-              <a:t>24.06.2023</a:t>
+              <a:t>27.06.2023</a:t>
             </a:fld>
             <a:endParaRPr lang="cs-CZ"/>
           </a:p>
@@ -1727,7 +1735,7 @@
           <a:p>
             <a:fld id="{A1743C35-D236-4E76-A03F-BD9B1F550C78}" type="datetimeFigureOut">
               <a:rPr lang="cs-CZ" smtClean="0"/>
-              <a:t>24.06.2023</a:t>
+              <a:t>27.06.2023</a:t>
             </a:fld>
             <a:endParaRPr lang="cs-CZ"/>
           </a:p>
@@ -1822,7 +1830,7 @@
           <a:p>
             <a:fld id="{A1743C35-D236-4E76-A03F-BD9B1F550C78}" type="datetimeFigureOut">
               <a:rPr lang="cs-CZ" smtClean="0"/>
-              <a:t>24.06.2023</a:t>
+              <a:t>27.06.2023</a:t>
             </a:fld>
             <a:endParaRPr lang="cs-CZ"/>
           </a:p>
@@ -2099,7 +2107,7 @@
           <a:p>
             <a:fld id="{A1743C35-D236-4E76-A03F-BD9B1F550C78}" type="datetimeFigureOut">
               <a:rPr lang="cs-CZ" smtClean="0"/>
-              <a:t>24.06.2023</a:t>
+              <a:t>27.06.2023</a:t>
             </a:fld>
             <a:endParaRPr lang="cs-CZ"/>
           </a:p>
@@ -2356,7 +2364,7 @@
           <a:p>
             <a:fld id="{A1743C35-D236-4E76-A03F-BD9B1F550C78}" type="datetimeFigureOut">
               <a:rPr lang="cs-CZ" smtClean="0"/>
-              <a:t>24.06.2023</a:t>
+              <a:t>27.06.2023</a:t>
             </a:fld>
             <a:endParaRPr lang="cs-CZ"/>
           </a:p>
@@ -2569,7 +2577,7 @@
           <a:p>
             <a:fld id="{A1743C35-D236-4E76-A03F-BD9B1F550C78}" type="datetimeFigureOut">
               <a:rPr lang="cs-CZ" smtClean="0"/>
-              <a:t>24.06.2023</a:t>
+              <a:t>27.06.2023</a:t>
             </a:fld>
             <a:endParaRPr lang="cs-CZ"/>
           </a:p>
@@ -3011,7 +3019,7 @@
           <a:lstStyle/>
           <a:p>
             <a:r>
-              <a:rPr lang="en-GB" sz="6600" dirty="0"/>
+              <a:rPr lang="en-GB" sz="6600"/>
               <a:t>Certificate Stealer</a:t>
             </a:r>
             <a:endParaRPr lang="cs-CZ" sz="6600" dirty="0"/>
@@ -3047,40 +3055,8 @@
           <a:lstStyle/>
           <a:p>
             <a:r>
-              <a:rPr lang="en-GB" dirty="0" err="1"/>
-              <a:t>rtn</a:t>
-            </a:r>
-            <a:r>
-              <a:rPr lang="en-GB" dirty="0"/>
-              <a:t>. </a:t>
-            </a:r>
-            <a:r>
-              <a:rPr lang="en-GB" dirty="0" err="1"/>
-              <a:t>Horký</a:t>
-            </a:r>
-            <a:r>
-              <a:rPr lang="en-GB" dirty="0"/>
-              <a:t>, </a:t>
-            </a:r>
-            <a:r>
-              <a:rPr lang="en-GB" dirty="0" err="1"/>
-              <a:t>Hornof</a:t>
-            </a:r>
-            <a:r>
-              <a:rPr lang="en-GB" dirty="0"/>
-              <a:t>, </a:t>
-            </a:r>
-            <a:r>
-              <a:rPr lang="en-GB" dirty="0" err="1"/>
-              <a:t>Hrabáček</a:t>
-            </a:r>
-            <a:r>
-              <a:rPr lang="en-GB" dirty="0"/>
-              <a:t>, </a:t>
-            </a:r>
-            <a:r>
-              <a:rPr lang="en-GB" dirty="0" err="1"/>
-              <a:t>Beran</a:t>
+              <a:rPr lang="en-GB"/>
+              <a:t>rtn. Horký, Hornof, Hrabáček, Beran</a:t>
             </a:r>
             <a:endParaRPr lang="cs-CZ" dirty="0"/>
           </a:p>
@@ -3335,210 +3311,7 @@
 </p:sld>
 </file>
 
-<file path=ppt/slides/slide2.xml><?xml version="1.0" encoding="utf-8"?>
-<p:sld xmlns:a="http://schemas.openxmlformats.org/drawingml/2006/main" xmlns:r="http://schemas.openxmlformats.org/officeDocument/2006/relationships" xmlns:p="http://schemas.openxmlformats.org/presentationml/2006/main">
-  <p:cSld>
-    <p:bg>
-      <p:bgPr>
-        <a:solidFill>
-          <a:schemeClr val="bg1"/>
-        </a:solidFill>
-        <a:effectLst/>
-      </p:bgPr>
-    </p:bg>
-    <p:spTree>
-      <p:nvGrpSpPr>
-        <p:cNvPr id="1" name=""/>
-        <p:cNvGrpSpPr/>
-        <p:nvPr/>
-      </p:nvGrpSpPr>
-      <p:grpSpPr>
-        <a:xfrm>
-          <a:off x="0" y="0"/>
-          <a:ext cx="0" cy="0"/>
-          <a:chOff x="0" y="0"/>
-          <a:chExt cx="0" cy="0"/>
-        </a:xfrm>
-      </p:grpSpPr>
-      <p:sp>
-        <p:nvSpPr>
-          <p:cNvPr id="2" name="Nadpis 1">
-            <a:extLst>
-              <a:ext uri="{FF2B5EF4-FFF2-40B4-BE49-F238E27FC236}">
-                <a16:creationId xmlns:a16="http://schemas.microsoft.com/office/drawing/2014/main" id="{591D1B0E-BC66-A6FD-67D5-C60F9EE119DC}"/>
-              </a:ext>
-            </a:extLst>
-          </p:cNvPr>
-          <p:cNvSpPr>
-            <a:spLocks noGrp="1"/>
-          </p:cNvSpPr>
-          <p:nvPr>
-            <p:ph type="ctrTitle"/>
-          </p:nvPr>
-        </p:nvSpPr>
-        <p:spPr>
-          <a:xfrm>
-            <a:off x="160420" y="1269688"/>
-            <a:ext cx="3933118" cy="1094323"/>
-          </a:xfrm>
-        </p:spPr>
-        <p:txBody>
-          <a:bodyPr anchor="b">
-            <a:normAutofit/>
-          </a:bodyPr>
-          <a:lstStyle/>
-          <a:p>
-            <a:r>
-              <a:rPr lang="en-GB" sz="6600" dirty="0"/>
-              <a:t>CERTIFIKÁT</a:t>
-            </a:r>
-            <a:endParaRPr lang="cs-CZ" sz="6600" dirty="0"/>
-          </a:p>
-        </p:txBody>
-      </p:sp>
-      <p:pic>
-        <p:nvPicPr>
-          <p:cNvPr id="5" name="Obrázek 4" descr="Obsah obrázku Písmo, Grafika, text, grafický design&#10;&#10;Popis byl vytvořen automaticky">
-            <a:extLst>
-              <a:ext uri="{FF2B5EF4-FFF2-40B4-BE49-F238E27FC236}">
-                <a16:creationId xmlns:a16="http://schemas.microsoft.com/office/drawing/2014/main" id="{2D44BFEA-F427-DF60-6285-6A3883A50C92}"/>
-              </a:ext>
-            </a:extLst>
-          </p:cNvPr>
-          <p:cNvPicPr>
-            <a:picLocks noChangeAspect="1"/>
-          </p:cNvPicPr>
-          <p:nvPr/>
-        </p:nvPicPr>
-        <p:blipFill>
-          <a:blip r:embed="rId2">
-            <a:extLst>
-              <a:ext uri="{28A0092B-C50C-407E-A947-70E740481C1C}">
-                <a14:useLocalDpi xmlns:a14="http://schemas.microsoft.com/office/drawing/2010/main" val="0"/>
-              </a:ext>
-            </a:extLst>
-          </a:blip>
-          <a:stretch>
-            <a:fillRect/>
-          </a:stretch>
-        </p:blipFill>
-        <p:spPr>
-          <a:xfrm>
-            <a:off x="3742427" y="-17739"/>
-            <a:ext cx="4702549" cy="1269688"/>
-          </a:xfrm>
-          <a:prstGeom prst="rect">
-            <a:avLst/>
-          </a:prstGeom>
-        </p:spPr>
-      </p:pic>
-      <p:sp>
-        <p:nvSpPr>
-          <p:cNvPr id="6" name="TextovéPole 5">
-            <a:extLst>
-              <a:ext uri="{FF2B5EF4-FFF2-40B4-BE49-F238E27FC236}">
-                <a16:creationId xmlns:a16="http://schemas.microsoft.com/office/drawing/2014/main" id="{5DDB7B25-15F3-ACEA-E6CE-164217B3BD00}"/>
-              </a:ext>
-            </a:extLst>
-          </p:cNvPr>
-          <p:cNvSpPr txBox="1"/>
-          <p:nvPr/>
-        </p:nvSpPr>
-        <p:spPr>
-          <a:xfrm>
-            <a:off x="4440863" y="1513553"/>
-            <a:ext cx="7636042" cy="3416320"/>
-          </a:xfrm>
-          <a:prstGeom prst="rect">
-            <a:avLst/>
-          </a:prstGeom>
-          <a:noFill/>
-        </p:spPr>
-        <p:txBody>
-          <a:bodyPr wrap="square" rtlCol="0">
-            <a:spAutoFit/>
-          </a:bodyPr>
-          <a:lstStyle/>
-          <a:p>
-            <a:r>
-              <a:rPr lang="en-GB" sz="3600" dirty="0"/>
-              <a:t>= </a:t>
-            </a:r>
-            <a:r>
-              <a:rPr lang="en-GB" sz="3600" dirty="0" err="1"/>
-              <a:t>chová</a:t>
-            </a:r>
-            <a:r>
-              <a:rPr lang="en-GB" sz="3600" dirty="0"/>
-              <a:t> se </a:t>
-            </a:r>
-            <a:r>
-              <a:rPr lang="en-GB" sz="3600" dirty="0" err="1"/>
-              <a:t>jako</a:t>
-            </a:r>
-            <a:r>
-              <a:rPr lang="en-GB" sz="3600" dirty="0"/>
-              <a:t> </a:t>
-            </a:r>
-            <a:r>
-              <a:rPr lang="en-GB" sz="3600" dirty="0" err="1"/>
-              <a:t>kontejner</a:t>
-            </a:r>
-            <a:endParaRPr lang="en-GB" sz="3600" dirty="0"/>
-          </a:p>
-          <a:p>
-            <a:endParaRPr lang="en-GB" sz="3600" dirty="0"/>
-          </a:p>
-          <a:p>
-            <a:r>
-              <a:rPr lang="en-GB" sz="3600" dirty="0" err="1"/>
-              <a:t>Obsahuje</a:t>
-            </a:r>
-            <a:r>
-              <a:rPr lang="en-GB" sz="3600" dirty="0"/>
-              <a:t> </a:t>
-            </a:r>
-            <a:r>
-              <a:rPr lang="en-GB" sz="3600" b="1" dirty="0" err="1"/>
-              <a:t>samostatně</a:t>
-            </a:r>
-            <a:r>
-              <a:rPr lang="en-GB" sz="3600" dirty="0"/>
-              <a:t>: </a:t>
-            </a:r>
-          </a:p>
-          <a:p>
-            <a:r>
-              <a:rPr lang="en-GB" sz="3600" dirty="0"/>
-              <a:t> - public key</a:t>
-            </a:r>
-          </a:p>
-          <a:p>
-            <a:endParaRPr lang="en-GB" sz="3600" dirty="0"/>
-          </a:p>
-          <a:p>
-            <a:r>
-              <a:rPr lang="en-GB" sz="3600" dirty="0"/>
-              <a:t> - private key</a:t>
-            </a:r>
-            <a:endParaRPr lang="cs-CZ" sz="3600" dirty="0"/>
-          </a:p>
-        </p:txBody>
-      </p:sp>
-    </p:spTree>
-    <p:extLst>
-      <p:ext uri="{BB962C8B-B14F-4D97-AF65-F5344CB8AC3E}">
-        <p14:creationId xmlns:p14="http://schemas.microsoft.com/office/powerpoint/2010/main" val="3371924946"/>
-      </p:ext>
-    </p:extLst>
-  </p:cSld>
-  <p:clrMapOvr>
-    <a:masterClrMapping/>
-  </p:clrMapOvr>
-</p:sld>
-</file>
-
-<file path=ppt/slides/slide3.xml><?xml version="1.0" encoding="utf-8"?>
+<file path=ppt/slides/slide10.xml><?xml version="1.0" encoding="utf-8"?>
 <p:sld xmlns:a="http://schemas.openxmlformats.org/drawingml/2006/main" xmlns:r="http://schemas.openxmlformats.org/officeDocument/2006/relationships" xmlns:p="http://schemas.openxmlformats.org/presentationml/2006/main">
   <p:cSld>
     <p:bg>
@@ -3613,8 +3386,8 @@
         </p:nvSpPr>
         <p:spPr>
           <a:xfrm>
-            <a:off x="135459" y="1251949"/>
-            <a:ext cx="8708063" cy="707886"/>
+            <a:off x="4517115" y="2721114"/>
+            <a:ext cx="3153172" cy="769441"/>
           </a:xfrm>
           <a:prstGeom prst="rect">
             <a:avLst/>
@@ -3628,160 +3401,25 @@
           <a:lstStyle/>
           <a:p>
             <a:r>
-              <a:rPr lang="en-GB" sz="4000" dirty="0" err="1"/>
-              <a:t>Exportování</a:t>
-            </a:r>
-            <a:r>
-              <a:rPr lang="en-GB" sz="4000" dirty="0"/>
-              <a:t> “</a:t>
-            </a:r>
-            <a:r>
-              <a:rPr lang="en-GB" sz="4000" dirty="0" err="1"/>
-              <a:t>nexportovatelného</a:t>
-            </a:r>
-            <a:r>
-              <a:rPr lang="en-GB" sz="4000" dirty="0"/>
-              <a:t>” </a:t>
-            </a:r>
-            <a:r>
-              <a:rPr lang="en-GB" sz="4000" dirty="0" err="1"/>
-              <a:t>klíče</a:t>
-            </a:r>
-            <a:endParaRPr lang="cs-CZ" sz="4000" dirty="0"/>
-          </a:p>
-        </p:txBody>
-      </p:sp>
-      <p:sp>
-        <p:nvSpPr>
-          <p:cNvPr id="7" name="TextovéPole 6">
-            <a:extLst>
-              <a:ext uri="{FF2B5EF4-FFF2-40B4-BE49-F238E27FC236}">
-                <a16:creationId xmlns:a16="http://schemas.microsoft.com/office/drawing/2014/main" id="{BDF92F18-C8C1-6EC1-9F68-B613C2DB79F4}"/>
-              </a:ext>
-            </a:extLst>
-          </p:cNvPr>
-          <p:cNvSpPr txBox="1"/>
-          <p:nvPr/>
-        </p:nvSpPr>
-        <p:spPr>
-          <a:xfrm>
-            <a:off x="465221" y="2245895"/>
-            <a:ext cx="11245516" cy="4524315"/>
-          </a:xfrm>
-          <a:prstGeom prst="rect">
-            <a:avLst/>
-          </a:prstGeom>
-          <a:noFill/>
-        </p:spPr>
-        <p:txBody>
-          <a:bodyPr wrap="square" rtlCol="0">
-            <a:spAutoFit/>
-          </a:bodyPr>
-          <a:lstStyle/>
-          <a:p>
-            <a:r>
-              <a:rPr lang="en-GB" sz="3200" dirty="0"/>
-              <a:t>Import </a:t>
-            </a:r>
-            <a:r>
-              <a:rPr lang="en-GB" sz="3200" dirty="0" err="1"/>
-              <a:t>knihovny</a:t>
-            </a:r>
-            <a:r>
-              <a:rPr lang="en-GB" sz="3200" dirty="0"/>
-              <a:t> "crypt32" k </a:t>
-            </a:r>
-            <a:r>
-              <a:rPr lang="en-GB" sz="3200" dirty="0" err="1"/>
-              <a:t>používání</a:t>
-            </a:r>
-            <a:r>
-              <a:rPr lang="en-GB" sz="3200" dirty="0"/>
-              <a:t> CryptoAPI + "cryptsp.dll"</a:t>
-            </a:r>
-          </a:p>
-          <a:p>
-            <a:endParaRPr lang="en-GB" sz="3200" dirty="0"/>
-          </a:p>
-          <a:p>
-            <a:r>
-              <a:rPr lang="en-GB" sz="3200" dirty="0"/>
-              <a:t>- </a:t>
-            </a:r>
-            <a:r>
-              <a:rPr lang="cs-CZ" sz="3200" dirty="0"/>
-              <a:t>Získání ukazatele na paměťovou oblast, která obsahuje privátní klíč.</a:t>
-            </a:r>
-          </a:p>
-          <a:p>
-            <a:endParaRPr lang="cs-CZ" sz="3200" dirty="0"/>
-          </a:p>
-          <a:p>
-            <a:r>
-              <a:rPr lang="en-GB" sz="3200" dirty="0"/>
-              <a:t>- M</a:t>
-            </a:r>
-            <a:r>
-              <a:rPr lang="cs-CZ" sz="3200" dirty="0" err="1"/>
-              <a:t>odifikace</a:t>
-            </a:r>
-            <a:r>
-              <a:rPr lang="cs-CZ" sz="3200" dirty="0"/>
-              <a:t> specifických bitů v paměti</a:t>
-            </a:r>
-            <a:r>
-              <a:rPr lang="en-GB" sz="3200" dirty="0"/>
-              <a:t>. </a:t>
-            </a:r>
-            <a:r>
-              <a:rPr lang="cs-CZ" sz="3200" dirty="0"/>
-              <a:t>Tyto bity </a:t>
-            </a:r>
-            <a:r>
-              <a:rPr lang="cs-CZ" sz="3200" dirty="0" err="1"/>
-              <a:t>ovliv</a:t>
-            </a:r>
-            <a:r>
-              <a:rPr lang="en-GB" sz="3200" dirty="0" err="1"/>
-              <a:t>ní</a:t>
-            </a:r>
-            <a:r>
-              <a:rPr lang="cs-CZ" sz="3200" dirty="0"/>
-              <a:t> </a:t>
-            </a:r>
-            <a:r>
-              <a:rPr lang="cs-CZ" sz="3200" dirty="0" err="1"/>
-              <a:t>exportabilitu</a:t>
-            </a:r>
-            <a:r>
-              <a:rPr lang="cs-CZ" sz="3200" dirty="0"/>
-              <a:t> klíče.</a:t>
-            </a:r>
-          </a:p>
-          <a:p>
-            <a:endParaRPr lang="cs-CZ" sz="3200" dirty="0"/>
-          </a:p>
-          <a:p>
-            <a:r>
-              <a:rPr lang="en-GB" sz="3200" dirty="0"/>
-              <a:t>- </a:t>
-            </a:r>
-            <a:r>
-              <a:rPr lang="cs-CZ" sz="3200" dirty="0"/>
-              <a:t>Po změně bitů v paměti bude klíč považován za exportovatelný</a:t>
-            </a:r>
-            <a:r>
-              <a:rPr lang="en-GB" sz="3200" dirty="0"/>
-              <a:t>.</a:t>
-            </a:r>
-            <a:endParaRPr lang="cs-CZ" sz="3200" dirty="0"/>
+              <a:rPr lang="en-GB" sz="4400" dirty="0" err="1"/>
+              <a:t>Ukázka</a:t>
+            </a:r>
+            <a:r>
+              <a:rPr lang="en-GB" sz="4400" dirty="0"/>
+              <a:t> + </a:t>
+            </a:r>
+            <a:r>
+              <a:rPr lang="en-GB" sz="4400" dirty="0" err="1"/>
+              <a:t>kód</a:t>
+            </a:r>
+            <a:endParaRPr lang="cs-CZ" sz="4400" dirty="0"/>
           </a:p>
         </p:txBody>
       </p:sp>
     </p:spTree>
     <p:extLst>
       <p:ext uri="{BB962C8B-B14F-4D97-AF65-F5344CB8AC3E}">
-        <p14:creationId xmlns:p14="http://schemas.microsoft.com/office/powerpoint/2010/main" val="3356254432"/>
+        <p14:creationId xmlns:p14="http://schemas.microsoft.com/office/powerpoint/2010/main" val="3716632340"/>
       </p:ext>
     </p:extLst>
   </p:cSld>
@@ -3791,7 +3429,7 @@
 </p:sld>
 </file>
 
-<file path=ppt/slides/slide4.xml><?xml version="1.0" encoding="utf-8"?>
+<file path=ppt/slides/slide2.xml><?xml version="1.0" encoding="utf-8"?>
 <p:sld xmlns:a="http://schemas.openxmlformats.org/drawingml/2006/main" xmlns:r="http://schemas.openxmlformats.org/officeDocument/2006/relationships" xmlns:p="http://schemas.openxmlformats.org/presentationml/2006/main">
   <p:cSld>
     <p:bg>
@@ -3866,8 +3504,8 @@
         </p:nvSpPr>
         <p:spPr>
           <a:xfrm>
-            <a:off x="151501" y="1251949"/>
-            <a:ext cx="8708063" cy="707886"/>
+            <a:off x="228600" y="1536193"/>
+            <a:ext cx="11567160" cy="3416320"/>
           </a:xfrm>
           <a:prstGeom prst="rect">
             <a:avLst/>
@@ -3881,8 +3519,417 @@
           <a:lstStyle/>
           <a:p>
             <a:r>
+              <a:rPr lang="cs-CZ" sz="3600" dirty="0"/>
+              <a:t>Certifikáty umožňují identifikovat a ověřit totožnost osob</a:t>
+            </a:r>
+            <a:r>
+              <a:rPr lang="en-GB" sz="3600" dirty="0"/>
+              <a:t> v </a:t>
+            </a:r>
+            <a:r>
+              <a:rPr lang="en-GB" sz="3600" dirty="0" err="1"/>
+              <a:t>digitálním</a:t>
+            </a:r>
+            <a:r>
+              <a:rPr lang="en-GB" sz="3600" dirty="0"/>
+              <a:t> </a:t>
+            </a:r>
+            <a:r>
+              <a:rPr lang="en-GB" sz="3600" dirty="0" err="1"/>
+              <a:t>prostředí</a:t>
+            </a:r>
+            <a:r>
+              <a:rPr lang="en-GB" sz="3600" dirty="0"/>
+              <a:t>.</a:t>
+            </a:r>
+          </a:p>
+          <a:p>
+            <a:endParaRPr lang="en-GB" sz="3600" dirty="0"/>
+          </a:p>
+          <a:p>
+            <a:r>
+              <a:rPr lang="en-GB" sz="3600" dirty="0"/>
+              <a:t>V</a:t>
+            </a:r>
+            <a:r>
+              <a:rPr lang="cs-CZ" sz="3600" dirty="0" err="1"/>
+              <a:t>yužívány</a:t>
+            </a:r>
+            <a:r>
+              <a:rPr lang="cs-CZ" sz="3600" dirty="0"/>
+              <a:t> v různých oblastech</a:t>
+            </a:r>
+            <a:r>
+              <a:rPr lang="en-GB" sz="3600" dirty="0"/>
+              <a:t>: </a:t>
+            </a:r>
+            <a:r>
+              <a:rPr lang="cs-CZ" sz="3600" dirty="0"/>
+              <a:t>elektronické bankovnictví, </a:t>
+            </a:r>
+            <a:r>
+              <a:rPr lang="en-GB" sz="3600" dirty="0" err="1"/>
+              <a:t>vydávání</a:t>
+            </a:r>
+            <a:r>
+              <a:rPr lang="en-GB" sz="3600" dirty="0"/>
+              <a:t> e-</a:t>
+            </a:r>
+            <a:r>
+              <a:rPr lang="en-GB" sz="3600" dirty="0" err="1"/>
+              <a:t>receptů</a:t>
+            </a:r>
+            <a:r>
+              <a:rPr lang="cs-CZ" sz="3600" dirty="0"/>
+              <a:t>, firemní sítě a komunikace, ochrana osobních dat</a:t>
+            </a:r>
+            <a:r>
+              <a:rPr lang="en-GB" sz="3600" dirty="0"/>
+              <a:t>.</a:t>
+            </a:r>
+            <a:endParaRPr lang="cs-CZ" sz="3600" dirty="0"/>
+          </a:p>
+        </p:txBody>
+      </p:sp>
+    </p:spTree>
+    <p:extLst>
+      <p:ext uri="{BB962C8B-B14F-4D97-AF65-F5344CB8AC3E}">
+        <p14:creationId xmlns:p14="http://schemas.microsoft.com/office/powerpoint/2010/main" val="3371924946"/>
+      </p:ext>
+    </p:extLst>
+  </p:cSld>
+  <p:clrMapOvr>
+    <a:masterClrMapping/>
+  </p:clrMapOvr>
+</p:sld>
+</file>
+
+<file path=ppt/slides/slide3.xml><?xml version="1.0" encoding="utf-8"?>
+<p:sld xmlns:a="http://schemas.openxmlformats.org/drawingml/2006/main" xmlns:r="http://schemas.openxmlformats.org/officeDocument/2006/relationships" xmlns:p="http://schemas.openxmlformats.org/presentationml/2006/main">
+  <p:cSld>
+    <p:bg>
+      <p:bgPr>
+        <a:solidFill>
+          <a:schemeClr val="bg1"/>
+        </a:solidFill>
+        <a:effectLst/>
+      </p:bgPr>
+    </p:bg>
+    <p:spTree>
+      <p:nvGrpSpPr>
+        <p:cNvPr id="1" name=""/>
+        <p:cNvGrpSpPr/>
+        <p:nvPr/>
+      </p:nvGrpSpPr>
+      <p:grpSpPr>
+        <a:xfrm>
+          <a:off x="0" y="0"/>
+          <a:ext cx="0" cy="0"/>
+          <a:chOff x="0" y="0"/>
+          <a:chExt cx="0" cy="0"/>
+        </a:xfrm>
+      </p:grpSpPr>
+      <p:sp>
+        <p:nvSpPr>
+          <p:cNvPr id="2" name="Nadpis 1">
+            <a:extLst>
+              <a:ext uri="{FF2B5EF4-FFF2-40B4-BE49-F238E27FC236}">
+                <a16:creationId xmlns:a16="http://schemas.microsoft.com/office/drawing/2014/main" id="{591D1B0E-BC66-A6FD-67D5-C60F9EE119DC}"/>
+              </a:ext>
+            </a:extLst>
+          </p:cNvPr>
+          <p:cNvSpPr>
+            <a:spLocks noGrp="1"/>
+          </p:cNvSpPr>
+          <p:nvPr>
+            <p:ph type="ctrTitle"/>
+          </p:nvPr>
+        </p:nvSpPr>
+        <p:spPr>
+          <a:xfrm>
+            <a:off x="160420" y="1269688"/>
+            <a:ext cx="3933118" cy="1094323"/>
+          </a:xfrm>
+        </p:spPr>
+        <p:txBody>
+          <a:bodyPr anchor="b">
+            <a:normAutofit/>
+          </a:bodyPr>
+          <a:lstStyle/>
+          <a:p>
+            <a:r>
+              <a:rPr lang="en-GB" sz="6600" dirty="0"/>
+              <a:t>CERTIFIKÁT</a:t>
+            </a:r>
+            <a:endParaRPr lang="cs-CZ" sz="6600" dirty="0"/>
+          </a:p>
+        </p:txBody>
+      </p:sp>
+      <p:pic>
+        <p:nvPicPr>
+          <p:cNvPr id="5" name="Obrázek 4" descr="Obsah obrázku Písmo, Grafika, text, grafický design&#10;&#10;Popis byl vytvořen automaticky">
+            <a:extLst>
+              <a:ext uri="{FF2B5EF4-FFF2-40B4-BE49-F238E27FC236}">
+                <a16:creationId xmlns:a16="http://schemas.microsoft.com/office/drawing/2014/main" id="{2D44BFEA-F427-DF60-6285-6A3883A50C92}"/>
+              </a:ext>
+            </a:extLst>
+          </p:cNvPr>
+          <p:cNvPicPr>
+            <a:picLocks noChangeAspect="1"/>
+          </p:cNvPicPr>
+          <p:nvPr/>
+        </p:nvPicPr>
+        <p:blipFill>
+          <a:blip r:embed="rId2">
+            <a:extLst>
+              <a:ext uri="{28A0092B-C50C-407E-A947-70E740481C1C}">
+                <a14:useLocalDpi xmlns:a14="http://schemas.microsoft.com/office/drawing/2010/main" val="0"/>
+              </a:ext>
+            </a:extLst>
+          </a:blip>
+          <a:stretch>
+            <a:fillRect/>
+          </a:stretch>
+        </p:blipFill>
+        <p:spPr>
+          <a:xfrm>
+            <a:off x="3742427" y="-17739"/>
+            <a:ext cx="4702549" cy="1269688"/>
+          </a:xfrm>
+          <a:prstGeom prst="rect">
+            <a:avLst/>
+          </a:prstGeom>
+        </p:spPr>
+      </p:pic>
+      <p:sp>
+        <p:nvSpPr>
+          <p:cNvPr id="6" name="TextovéPole 5">
+            <a:extLst>
+              <a:ext uri="{FF2B5EF4-FFF2-40B4-BE49-F238E27FC236}">
+                <a16:creationId xmlns:a16="http://schemas.microsoft.com/office/drawing/2014/main" id="{5DDB7B25-15F3-ACEA-E6CE-164217B3BD00}"/>
+              </a:ext>
+            </a:extLst>
+          </p:cNvPr>
+          <p:cNvSpPr txBox="1"/>
+          <p:nvPr/>
+        </p:nvSpPr>
+        <p:spPr>
+          <a:xfrm>
+            <a:off x="4440863" y="1513553"/>
+            <a:ext cx="7636042" cy="3970318"/>
+          </a:xfrm>
+          <a:prstGeom prst="rect">
+            <a:avLst/>
+          </a:prstGeom>
+          <a:noFill/>
+        </p:spPr>
+        <p:txBody>
+          <a:bodyPr wrap="square" rtlCol="0">
+            <a:spAutoFit/>
+          </a:bodyPr>
+          <a:lstStyle/>
+          <a:p>
+            <a:r>
+              <a:rPr lang="en-GB" sz="3600" dirty="0"/>
+              <a:t>= </a:t>
+            </a:r>
+            <a:r>
+              <a:rPr lang="en-GB" sz="3600" dirty="0" err="1"/>
+              <a:t>chová</a:t>
+            </a:r>
+            <a:r>
+              <a:rPr lang="en-GB" sz="3600" dirty="0"/>
+              <a:t> se </a:t>
+            </a:r>
+            <a:r>
+              <a:rPr lang="en-GB" sz="3600" dirty="0" err="1"/>
+              <a:t>jako</a:t>
+            </a:r>
+            <a:r>
+              <a:rPr lang="en-GB" sz="3600" dirty="0"/>
+              <a:t> </a:t>
+            </a:r>
+            <a:r>
+              <a:rPr lang="en-GB" sz="3600" dirty="0" err="1"/>
+              <a:t>kontejner</a:t>
+            </a:r>
+            <a:endParaRPr lang="en-GB" sz="3600" dirty="0"/>
+          </a:p>
+          <a:p>
+            <a:endParaRPr lang="en-GB" sz="3600" dirty="0"/>
+          </a:p>
+          <a:p>
+            <a:r>
+              <a:rPr lang="en-GB" sz="3600" dirty="0" err="1"/>
+              <a:t>Obsahuje</a:t>
+            </a:r>
+            <a:r>
+              <a:rPr lang="en-GB" sz="3600" dirty="0"/>
+              <a:t> </a:t>
+            </a:r>
+            <a:r>
+              <a:rPr lang="en-GB" sz="3600" b="1" dirty="0" err="1"/>
+              <a:t>samostatně</a:t>
+            </a:r>
+            <a:r>
+              <a:rPr lang="en-GB" sz="3600" dirty="0"/>
+              <a:t>: </a:t>
+            </a:r>
+          </a:p>
+          <a:p>
+            <a:r>
+              <a:rPr lang="en-GB" sz="3600" dirty="0"/>
+              <a:t> - public key</a:t>
+            </a:r>
+          </a:p>
+          <a:p>
+            <a:endParaRPr lang="en-GB" sz="3600" dirty="0"/>
+          </a:p>
+          <a:p>
+            <a:r>
+              <a:rPr lang="en-GB" sz="3600" dirty="0"/>
+              <a:t> - private key</a:t>
+            </a:r>
+          </a:p>
+          <a:p>
+            <a:endParaRPr lang="en-GB" sz="3600" dirty="0"/>
+          </a:p>
+        </p:txBody>
+      </p:sp>
+    </p:spTree>
+    <p:extLst>
+      <p:ext uri="{BB962C8B-B14F-4D97-AF65-F5344CB8AC3E}">
+        <p14:creationId xmlns:p14="http://schemas.microsoft.com/office/powerpoint/2010/main" val="311333248"/>
+      </p:ext>
+    </p:extLst>
+  </p:cSld>
+  <p:clrMapOvr>
+    <a:masterClrMapping/>
+  </p:clrMapOvr>
+</p:sld>
+</file>
+
+<file path=ppt/slides/slide4.xml><?xml version="1.0" encoding="utf-8"?>
+<p:sld xmlns:a="http://schemas.openxmlformats.org/drawingml/2006/main" xmlns:r="http://schemas.openxmlformats.org/officeDocument/2006/relationships" xmlns:p="http://schemas.openxmlformats.org/presentationml/2006/main">
+  <p:cSld>
+    <p:bg>
+      <p:bgPr>
+        <a:solidFill>
+          <a:schemeClr val="bg1"/>
+        </a:solidFill>
+        <a:effectLst/>
+      </p:bgPr>
+    </p:bg>
+    <p:spTree>
+      <p:nvGrpSpPr>
+        <p:cNvPr id="1" name=""/>
+        <p:cNvGrpSpPr/>
+        <p:nvPr/>
+      </p:nvGrpSpPr>
+      <p:grpSpPr>
+        <a:xfrm>
+          <a:off x="0" y="0"/>
+          <a:ext cx="0" cy="0"/>
+          <a:chOff x="0" y="0"/>
+          <a:chExt cx="0" cy="0"/>
+        </a:xfrm>
+      </p:grpSpPr>
+      <p:pic>
+        <p:nvPicPr>
+          <p:cNvPr id="3" name="Obrázek 2">
+            <a:extLst>
+              <a:ext uri="{FF2B5EF4-FFF2-40B4-BE49-F238E27FC236}">
+                <a16:creationId xmlns:a16="http://schemas.microsoft.com/office/drawing/2014/main" id="{340C155D-F13C-9743-DDDD-4CAA81E3CC33}"/>
+              </a:ext>
+            </a:extLst>
+          </p:cNvPr>
+          <p:cNvPicPr>
+            <a:picLocks noChangeAspect="1"/>
+          </p:cNvPicPr>
+          <p:nvPr/>
+        </p:nvPicPr>
+        <p:blipFill rotWithShape="1">
+          <a:blip r:embed="rId2"/>
+          <a:srcRect l="1248" t="19665" r="1493" b="1011"/>
+          <a:stretch/>
+        </p:blipFill>
+        <p:spPr>
+          <a:xfrm>
+            <a:off x="6027575" y="2052734"/>
+            <a:ext cx="6113207" cy="4805266"/>
+          </a:xfrm>
+          <a:prstGeom prst="rect">
+            <a:avLst/>
+          </a:prstGeom>
+        </p:spPr>
+      </p:pic>
+      <p:pic>
+        <p:nvPicPr>
+          <p:cNvPr id="5" name="Obrázek 4" descr="Obsah obrázku Písmo, Grafika, text, grafický design&#10;&#10;Popis byl vytvořen automaticky">
+            <a:extLst>
+              <a:ext uri="{FF2B5EF4-FFF2-40B4-BE49-F238E27FC236}">
+                <a16:creationId xmlns:a16="http://schemas.microsoft.com/office/drawing/2014/main" id="{2D44BFEA-F427-DF60-6285-6A3883A50C92}"/>
+              </a:ext>
+            </a:extLst>
+          </p:cNvPr>
+          <p:cNvPicPr>
+            <a:picLocks noChangeAspect="1"/>
+          </p:cNvPicPr>
+          <p:nvPr/>
+        </p:nvPicPr>
+        <p:blipFill>
+          <a:blip r:embed="rId3">
+            <a:extLst>
+              <a:ext uri="{28A0092B-C50C-407E-A947-70E740481C1C}">
+                <a14:useLocalDpi xmlns:a14="http://schemas.microsoft.com/office/drawing/2010/main" val="0"/>
+              </a:ext>
+            </a:extLst>
+          </a:blip>
+          <a:stretch>
+            <a:fillRect/>
+          </a:stretch>
+        </p:blipFill>
+        <p:spPr>
+          <a:xfrm>
+            <a:off x="3742427" y="-17739"/>
+            <a:ext cx="4702549" cy="1269688"/>
+          </a:xfrm>
+          <a:prstGeom prst="rect">
+            <a:avLst/>
+          </a:prstGeom>
+        </p:spPr>
+      </p:pic>
+      <p:sp>
+        <p:nvSpPr>
+          <p:cNvPr id="6" name="TextovéPole 5">
+            <a:extLst>
+              <a:ext uri="{FF2B5EF4-FFF2-40B4-BE49-F238E27FC236}">
+                <a16:creationId xmlns:a16="http://schemas.microsoft.com/office/drawing/2014/main" id="{5DDB7B25-15F3-ACEA-E6CE-164217B3BD00}"/>
+              </a:ext>
+            </a:extLst>
+          </p:cNvPr>
+          <p:cNvSpPr txBox="1"/>
+          <p:nvPr/>
+        </p:nvSpPr>
+        <p:spPr>
+          <a:xfrm>
+            <a:off x="135459" y="1251949"/>
+            <a:ext cx="11102517" cy="707886"/>
+          </a:xfrm>
+          <a:prstGeom prst="rect">
+            <a:avLst/>
+          </a:prstGeom>
+          <a:noFill/>
+        </p:spPr>
+        <p:txBody>
+          <a:bodyPr wrap="square" rtlCol="0">
+            <a:spAutoFit/>
+          </a:bodyPr>
+          <a:lstStyle/>
+          <a:p>
+            <a:r>
               <a:rPr lang="en-GB" sz="4000" dirty="0" err="1"/>
-              <a:t>Přenos</a:t>
+              <a:t>Neexportovatelný</a:t>
             </a:r>
             <a:r>
               <a:rPr lang="en-GB" sz="4000" dirty="0"/>
@@ -3890,7 +3937,7 @@
             </a:r>
             <a:r>
               <a:rPr lang="en-GB" sz="4000" dirty="0" err="1"/>
-              <a:t>exportovaného</a:t>
+              <a:t>privátní</a:t>
             </a:r>
             <a:r>
               <a:rPr lang="en-GB" sz="4000" dirty="0"/>
@@ -3898,7 +3945,15 @@
             </a:r>
             <a:r>
               <a:rPr lang="en-GB" sz="4000" dirty="0" err="1"/>
-              <a:t>souboru</a:t>
+              <a:t>klíč</a:t>
+            </a:r>
+            <a:r>
+              <a:rPr lang="en-GB" sz="4000" dirty="0"/>
+              <a:t> </a:t>
+            </a:r>
+            <a:r>
+              <a:rPr lang="en-GB" sz="4000" dirty="0" err="1"/>
+              <a:t>certifikátu</a:t>
             </a:r>
             <a:endParaRPr lang="cs-CZ" sz="4000" dirty="0"/>
           </a:p>
@@ -3919,7 +3974,7 @@
         <p:spPr>
           <a:xfrm>
             <a:off x="465221" y="2245895"/>
-            <a:ext cx="11245516" cy="584775"/>
+            <a:ext cx="5048611" cy="3046988"/>
           </a:xfrm>
           <a:prstGeom prst="rect">
             <a:avLst/>
@@ -3933,12 +3988,1045 @@
           <a:lstStyle/>
           <a:p>
             <a:r>
+              <a:rPr lang="en-GB" sz="3200" dirty="0"/>
+              <a:t>= </a:t>
+            </a:r>
+            <a:r>
+              <a:rPr lang="en-GB" sz="3200" dirty="0" err="1"/>
+              <a:t>omezení</a:t>
+            </a:r>
+            <a:endParaRPr lang="en-GB" sz="3200" dirty="0"/>
+          </a:p>
+          <a:p>
+            <a:r>
+              <a:rPr lang="en-GB" sz="3200" dirty="0" err="1"/>
+              <a:t>Důvody</a:t>
+            </a:r>
+            <a:r>
+              <a:rPr lang="en-GB" sz="3200" dirty="0"/>
+              <a:t>:</a:t>
+            </a:r>
+          </a:p>
+          <a:p>
+            <a:r>
+              <a:rPr lang="en-GB" sz="3200" dirty="0"/>
+              <a:t>	- </a:t>
+            </a:r>
+            <a:r>
+              <a:rPr lang="en-GB" sz="3200" dirty="0" err="1"/>
+              <a:t>Ochrana</a:t>
+            </a:r>
+            <a:r>
+              <a:rPr lang="en-GB" sz="3200" dirty="0"/>
+              <a:t> </a:t>
+            </a:r>
+            <a:r>
+              <a:rPr lang="en-GB" sz="3200" dirty="0" err="1"/>
+              <a:t>organizace</a:t>
+            </a:r>
+            <a:r>
+              <a:rPr lang="en-GB" sz="3200" dirty="0"/>
+              <a:t> </a:t>
+            </a:r>
+            <a:r>
+              <a:rPr lang="en-GB" sz="3200" dirty="0" err="1"/>
+              <a:t>proti</a:t>
+            </a:r>
+            <a:r>
+              <a:rPr lang="en-GB" sz="3200" dirty="0"/>
+              <a:t> 	  </a:t>
+            </a:r>
+            <a:r>
+              <a:rPr lang="en-GB" sz="3200" dirty="0" err="1"/>
+              <a:t>neoprávněnému</a:t>
+            </a:r>
+            <a:r>
+              <a:rPr lang="en-GB" sz="3200" dirty="0"/>
+              <a:t> </a:t>
+            </a:r>
+            <a:r>
+              <a:rPr lang="en-GB" sz="3200" dirty="0" err="1"/>
+              <a:t>použití</a:t>
+            </a:r>
+            <a:endParaRPr lang="en-GB" sz="3200" dirty="0"/>
+          </a:p>
+          <a:p>
+            <a:r>
+              <a:rPr lang="en-GB" sz="3200" dirty="0"/>
+              <a:t>	- </a:t>
+            </a:r>
+            <a:r>
+              <a:rPr lang="en-GB" sz="3200" dirty="0" err="1"/>
+              <a:t>Omezení</a:t>
+            </a:r>
+            <a:r>
+              <a:rPr lang="en-GB" sz="3200" dirty="0"/>
+              <a:t> ze </a:t>
+            </a:r>
+            <a:r>
+              <a:rPr lang="en-GB" sz="3200" dirty="0" err="1"/>
+              <a:t>strany</a:t>
+            </a:r>
+            <a:r>
+              <a:rPr lang="en-GB" sz="3200" dirty="0"/>
+              <a:t> CA</a:t>
+            </a:r>
+          </a:p>
+          <a:p>
+            <a:endParaRPr lang="cs-CZ" sz="3200" dirty="0"/>
+          </a:p>
+        </p:txBody>
+      </p:sp>
+    </p:spTree>
+    <p:extLst>
+      <p:ext uri="{BB962C8B-B14F-4D97-AF65-F5344CB8AC3E}">
+        <p14:creationId xmlns:p14="http://schemas.microsoft.com/office/powerpoint/2010/main" val="3356254432"/>
+      </p:ext>
+    </p:extLst>
+  </p:cSld>
+  <p:clrMapOvr>
+    <a:masterClrMapping/>
+  </p:clrMapOvr>
+</p:sld>
+</file>
+
+<file path=ppt/slides/slide5.xml><?xml version="1.0" encoding="utf-8"?>
+<p:sld xmlns:a="http://schemas.openxmlformats.org/drawingml/2006/main" xmlns:r="http://schemas.openxmlformats.org/officeDocument/2006/relationships" xmlns:p="http://schemas.openxmlformats.org/presentationml/2006/main">
+  <p:cSld>
+    <p:bg>
+      <p:bgPr>
+        <a:solidFill>
+          <a:schemeClr val="bg1"/>
+        </a:solidFill>
+        <a:effectLst/>
+      </p:bgPr>
+    </p:bg>
+    <p:spTree>
+      <p:nvGrpSpPr>
+        <p:cNvPr id="1" name=""/>
+        <p:cNvGrpSpPr/>
+        <p:nvPr/>
+      </p:nvGrpSpPr>
+      <p:grpSpPr>
+        <a:xfrm>
+          <a:off x="0" y="0"/>
+          <a:ext cx="0" cy="0"/>
+          <a:chOff x="0" y="0"/>
+          <a:chExt cx="0" cy="0"/>
+        </a:xfrm>
+      </p:grpSpPr>
+      <p:pic>
+        <p:nvPicPr>
+          <p:cNvPr id="5" name="Obrázek 4" descr="Obsah obrázku Písmo, Grafika, text, grafický design&#10;&#10;Popis byl vytvořen automaticky">
+            <a:extLst>
+              <a:ext uri="{FF2B5EF4-FFF2-40B4-BE49-F238E27FC236}">
+                <a16:creationId xmlns:a16="http://schemas.microsoft.com/office/drawing/2014/main" id="{2D44BFEA-F427-DF60-6285-6A3883A50C92}"/>
+              </a:ext>
+            </a:extLst>
+          </p:cNvPr>
+          <p:cNvPicPr>
+            <a:picLocks noChangeAspect="1"/>
+          </p:cNvPicPr>
+          <p:nvPr/>
+        </p:nvPicPr>
+        <p:blipFill>
+          <a:blip r:embed="rId2">
+            <a:extLst>
+              <a:ext uri="{28A0092B-C50C-407E-A947-70E740481C1C}">
+                <a14:useLocalDpi xmlns:a14="http://schemas.microsoft.com/office/drawing/2010/main" val="0"/>
+              </a:ext>
+            </a:extLst>
+          </a:blip>
+          <a:stretch>
+            <a:fillRect/>
+          </a:stretch>
+        </p:blipFill>
+        <p:spPr>
+          <a:xfrm>
+            <a:off x="3742427" y="-17739"/>
+            <a:ext cx="4702549" cy="1269688"/>
+          </a:xfrm>
+          <a:prstGeom prst="rect">
+            <a:avLst/>
+          </a:prstGeom>
+        </p:spPr>
+      </p:pic>
+      <p:sp>
+        <p:nvSpPr>
+          <p:cNvPr id="6" name="TextovéPole 5">
+            <a:extLst>
+              <a:ext uri="{FF2B5EF4-FFF2-40B4-BE49-F238E27FC236}">
+                <a16:creationId xmlns:a16="http://schemas.microsoft.com/office/drawing/2014/main" id="{5DDB7B25-15F3-ACEA-E6CE-164217B3BD00}"/>
+              </a:ext>
+            </a:extLst>
+          </p:cNvPr>
+          <p:cNvSpPr txBox="1"/>
+          <p:nvPr/>
+        </p:nvSpPr>
+        <p:spPr>
+          <a:xfrm>
+            <a:off x="135459" y="1251949"/>
+            <a:ext cx="11102517" cy="707886"/>
+          </a:xfrm>
+          <a:prstGeom prst="rect">
+            <a:avLst/>
+          </a:prstGeom>
+          <a:noFill/>
+        </p:spPr>
+        <p:txBody>
+          <a:bodyPr wrap="square" rtlCol="0">
+            <a:spAutoFit/>
+          </a:bodyPr>
+          <a:lstStyle/>
+          <a:p>
+            <a:r>
+              <a:rPr lang="en-GB" sz="4000" dirty="0" err="1"/>
+              <a:t>Obejití</a:t>
+            </a:r>
+            <a:r>
+              <a:rPr lang="en-GB" sz="4000" dirty="0"/>
+              <a:t> </a:t>
+            </a:r>
+            <a:r>
+              <a:rPr lang="en-GB" sz="4000" dirty="0" err="1"/>
+              <a:t>ochrany</a:t>
+            </a:r>
+            <a:r>
+              <a:rPr lang="en-GB" sz="4000" dirty="0"/>
+              <a:t>:</a:t>
+            </a:r>
+            <a:endParaRPr lang="cs-CZ" sz="4000" dirty="0"/>
+          </a:p>
+        </p:txBody>
+      </p:sp>
+      <p:sp>
+        <p:nvSpPr>
+          <p:cNvPr id="7" name="TextovéPole 6">
+            <a:extLst>
+              <a:ext uri="{FF2B5EF4-FFF2-40B4-BE49-F238E27FC236}">
+                <a16:creationId xmlns:a16="http://schemas.microsoft.com/office/drawing/2014/main" id="{BDF92F18-C8C1-6EC1-9F68-B613C2DB79F4}"/>
+              </a:ext>
+            </a:extLst>
+          </p:cNvPr>
+          <p:cNvSpPr txBox="1"/>
+          <p:nvPr/>
+        </p:nvSpPr>
+        <p:spPr>
+          <a:xfrm>
+            <a:off x="465221" y="2245895"/>
+            <a:ext cx="5121764" cy="3600986"/>
+          </a:xfrm>
+          <a:prstGeom prst="rect">
+            <a:avLst/>
+          </a:prstGeom>
+          <a:noFill/>
+        </p:spPr>
+        <p:txBody>
+          <a:bodyPr wrap="square" rtlCol="0">
+            <a:spAutoFit/>
+          </a:bodyPr>
+          <a:lstStyle/>
+          <a:p>
+            <a:r>
+              <a:rPr lang="en-GB" sz="3600" b="1" dirty="0" err="1"/>
+              <a:t>Mimikatz</a:t>
+            </a:r>
+            <a:r>
+              <a:rPr lang="en-GB" sz="3600" b="1" dirty="0"/>
+              <a:t>:</a:t>
+            </a:r>
+          </a:p>
+          <a:p>
+            <a:endParaRPr lang="en-GB" sz="3200" dirty="0"/>
+          </a:p>
+          <a:p>
+            <a:r>
+              <a:rPr lang="cs-CZ" sz="3200" dirty="0" err="1"/>
+              <a:t>privilege</a:t>
+            </a:r>
+            <a:r>
+              <a:rPr lang="cs-CZ" sz="3200" dirty="0"/>
+              <a:t>::</a:t>
+            </a:r>
+            <a:r>
+              <a:rPr lang="cs-CZ" sz="3200" dirty="0" err="1"/>
+              <a:t>debug</a:t>
+            </a:r>
+            <a:endParaRPr lang="cs-CZ" sz="3200" dirty="0"/>
+          </a:p>
+          <a:p>
+            <a:r>
+              <a:rPr lang="cs-CZ" sz="3200" dirty="0" err="1"/>
+              <a:t>crypto</a:t>
+            </a:r>
+            <a:r>
+              <a:rPr lang="cs-CZ" sz="3200" dirty="0"/>
+              <a:t>::</a:t>
+            </a:r>
+            <a:r>
+              <a:rPr lang="cs-CZ" sz="3200" dirty="0" err="1"/>
+              <a:t>capi</a:t>
+            </a:r>
+            <a:endParaRPr lang="cs-CZ" sz="3200" dirty="0"/>
+          </a:p>
+          <a:p>
+            <a:r>
+              <a:rPr lang="cs-CZ" sz="3200" dirty="0" err="1"/>
+              <a:t>crypto</a:t>
+            </a:r>
+            <a:r>
+              <a:rPr lang="cs-CZ" sz="3200" dirty="0"/>
+              <a:t>::</a:t>
+            </a:r>
+            <a:r>
+              <a:rPr lang="cs-CZ" sz="3200" dirty="0" err="1"/>
+              <a:t>keys</a:t>
+            </a:r>
+            <a:r>
+              <a:rPr lang="cs-CZ" sz="3200" dirty="0"/>
+              <a:t> /export</a:t>
+            </a:r>
+          </a:p>
+          <a:p>
+            <a:endParaRPr lang="en-GB" sz="3200" dirty="0"/>
+          </a:p>
+          <a:p>
+            <a:r>
+              <a:rPr lang="cs-CZ" sz="3200" dirty="0" err="1">
+                <a:effectLst/>
+              </a:rPr>
+              <a:t>crypto</a:t>
+            </a:r>
+            <a:r>
+              <a:rPr lang="cs-CZ" sz="3200" dirty="0">
+                <a:effectLst/>
+              </a:rPr>
+              <a:t>::</a:t>
+            </a:r>
+            <a:r>
+              <a:rPr lang="cs-CZ" sz="3200" dirty="0" err="1">
+                <a:effectLst/>
+              </a:rPr>
+              <a:t>certificates</a:t>
+            </a:r>
+            <a:r>
+              <a:rPr lang="cs-CZ" sz="3200" dirty="0">
+                <a:effectLst/>
+              </a:rPr>
+              <a:t> /export</a:t>
+            </a:r>
+            <a:endParaRPr lang="cs-CZ" sz="3200" dirty="0"/>
+          </a:p>
+        </p:txBody>
+      </p:sp>
+      <p:pic>
+        <p:nvPicPr>
+          <p:cNvPr id="1026" name="Picture 2" descr="Mimikatz - ifconfig.dk">
+            <a:extLst>
+              <a:ext uri="{FF2B5EF4-FFF2-40B4-BE49-F238E27FC236}">
+                <a16:creationId xmlns:a16="http://schemas.microsoft.com/office/drawing/2014/main" id="{7EE5F493-A5F5-FA66-B848-1AE2FE0522A0}"/>
+              </a:ext>
+            </a:extLst>
+          </p:cNvPr>
+          <p:cNvPicPr>
+            <a:picLocks noChangeAspect="1" noChangeArrowheads="1"/>
+          </p:cNvPicPr>
+          <p:nvPr/>
+        </p:nvPicPr>
+        <p:blipFill>
+          <a:blip r:embed="rId3">
+            <a:extLst>
+              <a:ext uri="{28A0092B-C50C-407E-A947-70E740481C1C}">
+                <a14:useLocalDpi xmlns:a14="http://schemas.microsoft.com/office/drawing/2010/main" val="0"/>
+              </a:ext>
+            </a:extLst>
+          </a:blip>
+          <a:srcRect/>
+          <a:stretch>
+            <a:fillRect/>
+          </a:stretch>
+        </p:blipFill>
+        <p:spPr bwMode="auto">
+          <a:xfrm>
+            <a:off x="8531989" y="394257"/>
+            <a:ext cx="3411194" cy="3411194"/>
+          </a:xfrm>
+          <a:prstGeom prst="rect">
+            <a:avLst/>
+          </a:prstGeom>
+          <a:noFill/>
+          <a:extLst>
+            <a:ext uri="{909E8E84-426E-40DD-AFC4-6F175D3DCCD1}">
+              <a14:hiddenFill xmlns:a14="http://schemas.microsoft.com/office/drawing/2010/main">
+                <a:solidFill>
+                  <a:srgbClr val="FFFFFF"/>
+                </a:solidFill>
+              </a14:hiddenFill>
+            </a:ext>
+          </a:extLst>
+        </p:spPr>
+      </p:pic>
+      <p:sp>
+        <p:nvSpPr>
+          <p:cNvPr id="2" name="TextovéPole 1">
+            <a:extLst>
+              <a:ext uri="{FF2B5EF4-FFF2-40B4-BE49-F238E27FC236}">
+                <a16:creationId xmlns:a16="http://schemas.microsoft.com/office/drawing/2014/main" id="{887731CB-44A7-1E92-4BE2-5EC7AD2BD5E9}"/>
+              </a:ext>
+            </a:extLst>
+          </p:cNvPr>
+          <p:cNvSpPr txBox="1"/>
+          <p:nvPr/>
+        </p:nvSpPr>
+        <p:spPr>
+          <a:xfrm>
+            <a:off x="6093701" y="4277221"/>
+            <a:ext cx="6096000" cy="1569660"/>
+          </a:xfrm>
+          <a:prstGeom prst="rect">
+            <a:avLst/>
+          </a:prstGeom>
+          <a:noFill/>
+        </p:spPr>
+        <p:txBody>
+          <a:bodyPr wrap="square" rtlCol="0">
+            <a:spAutoFit/>
+          </a:bodyPr>
+          <a:lstStyle/>
+          <a:p>
+            <a:r>
+              <a:rPr lang="en-GB" sz="3200" dirty="0"/>
+              <a:t>1) </a:t>
+            </a:r>
+            <a:r>
+              <a:rPr lang="en-GB" sz="3200" dirty="0" err="1"/>
+              <a:t>Sběr</a:t>
+            </a:r>
+            <a:r>
+              <a:rPr lang="en-GB" sz="3200" dirty="0"/>
+              <a:t> </a:t>
+            </a:r>
+            <a:r>
+              <a:rPr lang="en-GB" sz="3200" dirty="0" err="1"/>
+              <a:t>klíčů</a:t>
+            </a:r>
+            <a:r>
+              <a:rPr lang="en-GB" sz="3200" dirty="0"/>
+              <a:t> z </a:t>
+            </a:r>
+            <a:r>
+              <a:rPr lang="en-GB" sz="3200" dirty="0" err="1"/>
+              <a:t>paměti</a:t>
+            </a:r>
+            <a:endParaRPr lang="en-GB" sz="3200" dirty="0"/>
+          </a:p>
+          <a:p>
+            <a:r>
+              <a:rPr lang="en-GB" sz="3200" dirty="0"/>
+              <a:t>2) </a:t>
+            </a:r>
+            <a:r>
+              <a:rPr lang="en-GB" sz="3200" dirty="0" err="1"/>
+              <a:t>Manipulace</a:t>
+            </a:r>
+            <a:r>
+              <a:rPr lang="en-GB" sz="3200" dirty="0"/>
+              <a:t> s </a:t>
+            </a:r>
+            <a:r>
+              <a:rPr lang="en-GB" sz="3200" dirty="0" err="1"/>
+              <a:t>funkcemi</a:t>
+            </a:r>
+            <a:r>
+              <a:rPr lang="en-GB" sz="3200" dirty="0"/>
+              <a:t> </a:t>
+            </a:r>
+            <a:r>
+              <a:rPr lang="en-GB" sz="3200" dirty="0" err="1"/>
+              <a:t>systému</a:t>
+            </a:r>
+            <a:endParaRPr lang="en-GB" sz="3200" dirty="0"/>
+          </a:p>
+          <a:p>
+            <a:r>
+              <a:rPr lang="en-GB" sz="3200" dirty="0"/>
+              <a:t>3) </a:t>
+            </a:r>
+            <a:r>
+              <a:rPr lang="en-GB" sz="3200" dirty="0" err="1"/>
+              <a:t>Umožnění</a:t>
+            </a:r>
+            <a:r>
+              <a:rPr lang="en-GB" sz="3200" dirty="0"/>
+              <a:t> </a:t>
+            </a:r>
+            <a:r>
+              <a:rPr lang="en-GB" sz="3200" dirty="0" err="1"/>
+              <a:t>exportu</a:t>
+            </a:r>
+            <a:r>
+              <a:rPr lang="en-GB" sz="3200" dirty="0"/>
+              <a:t> </a:t>
+            </a:r>
+            <a:r>
+              <a:rPr lang="en-GB" sz="3200" dirty="0" err="1"/>
+              <a:t>klíčů</a:t>
+            </a:r>
+            <a:endParaRPr lang="cs-CZ" sz="3200" dirty="0"/>
+          </a:p>
+        </p:txBody>
+      </p:sp>
+      <p:sp>
+        <p:nvSpPr>
+          <p:cNvPr id="3" name="TextovéPole 2">
+            <a:extLst>
+              <a:ext uri="{FF2B5EF4-FFF2-40B4-BE49-F238E27FC236}">
+                <a16:creationId xmlns:a16="http://schemas.microsoft.com/office/drawing/2014/main" id="{48435882-0560-08CE-26EF-C165C0A48758}"/>
+              </a:ext>
+            </a:extLst>
+          </p:cNvPr>
+          <p:cNvSpPr txBox="1"/>
+          <p:nvPr/>
+        </p:nvSpPr>
+        <p:spPr>
+          <a:xfrm rot="19729762">
+            <a:off x="8625659" y="1684357"/>
+            <a:ext cx="3110602" cy="830997"/>
+          </a:xfrm>
+          <a:prstGeom prst="rect">
+            <a:avLst/>
+          </a:prstGeom>
+          <a:solidFill>
+            <a:srgbClr val="C00000"/>
+          </a:solidFill>
+          <a:ln>
+            <a:solidFill>
+              <a:srgbClr val="C00000"/>
+            </a:solidFill>
+          </a:ln>
+        </p:spPr>
+        <p:txBody>
+          <a:bodyPr wrap="square" rtlCol="0">
+            <a:spAutoFit/>
+          </a:bodyPr>
+          <a:lstStyle/>
+          <a:p>
+            <a:r>
+              <a:rPr lang="en-GB" sz="4800" dirty="0">
+                <a:solidFill>
+                  <a:schemeClr val="bg1"/>
+                </a:solidFill>
+              </a:rPr>
+              <a:t>NEPOUŽITO</a:t>
+            </a:r>
+            <a:endParaRPr lang="cs-CZ" sz="4800" dirty="0">
+              <a:solidFill>
+                <a:schemeClr val="bg1"/>
+              </a:solidFill>
+            </a:endParaRPr>
+          </a:p>
+        </p:txBody>
+      </p:sp>
+    </p:spTree>
+    <p:extLst>
+      <p:ext uri="{BB962C8B-B14F-4D97-AF65-F5344CB8AC3E}">
+        <p14:creationId xmlns:p14="http://schemas.microsoft.com/office/powerpoint/2010/main" val="1765738882"/>
+      </p:ext>
+    </p:extLst>
+  </p:cSld>
+  <p:clrMapOvr>
+    <a:masterClrMapping/>
+  </p:clrMapOvr>
+</p:sld>
+</file>
+
+<file path=ppt/slides/slide6.xml><?xml version="1.0" encoding="utf-8"?>
+<p:sld xmlns:a="http://schemas.openxmlformats.org/drawingml/2006/main" xmlns:r="http://schemas.openxmlformats.org/officeDocument/2006/relationships" xmlns:p="http://schemas.openxmlformats.org/presentationml/2006/main">
+  <p:cSld>
+    <p:bg>
+      <p:bgPr>
+        <a:solidFill>
+          <a:schemeClr val="bg1"/>
+        </a:solidFill>
+        <a:effectLst/>
+      </p:bgPr>
+    </p:bg>
+    <p:spTree>
+      <p:nvGrpSpPr>
+        <p:cNvPr id="1" name=""/>
+        <p:cNvGrpSpPr/>
+        <p:nvPr/>
+      </p:nvGrpSpPr>
+      <p:grpSpPr>
+        <a:xfrm>
+          <a:off x="0" y="0"/>
+          <a:ext cx="0" cy="0"/>
+          <a:chOff x="0" y="0"/>
+          <a:chExt cx="0" cy="0"/>
+        </a:xfrm>
+      </p:grpSpPr>
+      <p:pic>
+        <p:nvPicPr>
+          <p:cNvPr id="5" name="Obrázek 4" descr="Obsah obrázku Písmo, Grafika, text, grafický design&#10;&#10;Popis byl vytvořen automaticky">
+            <a:extLst>
+              <a:ext uri="{FF2B5EF4-FFF2-40B4-BE49-F238E27FC236}">
+                <a16:creationId xmlns:a16="http://schemas.microsoft.com/office/drawing/2014/main" id="{2D44BFEA-F427-DF60-6285-6A3883A50C92}"/>
+              </a:ext>
+            </a:extLst>
+          </p:cNvPr>
+          <p:cNvPicPr>
+            <a:picLocks noChangeAspect="1"/>
+          </p:cNvPicPr>
+          <p:nvPr/>
+        </p:nvPicPr>
+        <p:blipFill>
+          <a:blip r:embed="rId2">
+            <a:extLst>
+              <a:ext uri="{28A0092B-C50C-407E-A947-70E740481C1C}">
+                <a14:useLocalDpi xmlns:a14="http://schemas.microsoft.com/office/drawing/2010/main" val="0"/>
+              </a:ext>
+            </a:extLst>
+          </a:blip>
+          <a:stretch>
+            <a:fillRect/>
+          </a:stretch>
+        </p:blipFill>
+        <p:spPr>
+          <a:xfrm>
+            <a:off x="3742427" y="-17739"/>
+            <a:ext cx="4702549" cy="1269688"/>
+          </a:xfrm>
+          <a:prstGeom prst="rect">
+            <a:avLst/>
+          </a:prstGeom>
+        </p:spPr>
+      </p:pic>
+      <p:sp>
+        <p:nvSpPr>
+          <p:cNvPr id="6" name="TextovéPole 5">
+            <a:extLst>
+              <a:ext uri="{FF2B5EF4-FFF2-40B4-BE49-F238E27FC236}">
+                <a16:creationId xmlns:a16="http://schemas.microsoft.com/office/drawing/2014/main" id="{5DDB7B25-15F3-ACEA-E6CE-164217B3BD00}"/>
+              </a:ext>
+            </a:extLst>
+          </p:cNvPr>
+          <p:cNvSpPr txBox="1"/>
+          <p:nvPr/>
+        </p:nvSpPr>
+        <p:spPr>
+          <a:xfrm>
+            <a:off x="135459" y="1251949"/>
+            <a:ext cx="11102517" cy="707886"/>
+          </a:xfrm>
+          <a:prstGeom prst="rect">
+            <a:avLst/>
+          </a:prstGeom>
+          <a:noFill/>
+        </p:spPr>
+        <p:txBody>
+          <a:bodyPr wrap="square" rtlCol="0">
+            <a:spAutoFit/>
+          </a:bodyPr>
+          <a:lstStyle/>
+          <a:p>
+            <a:r>
+              <a:rPr lang="en-GB" sz="4000" dirty="0" err="1"/>
+              <a:t>Obejití</a:t>
+            </a:r>
+            <a:r>
+              <a:rPr lang="en-GB" sz="4000" dirty="0"/>
+              <a:t> </a:t>
+            </a:r>
+            <a:r>
+              <a:rPr lang="en-GB" sz="4000" dirty="0" err="1"/>
+              <a:t>ochrany</a:t>
+            </a:r>
+            <a:r>
+              <a:rPr lang="en-GB" sz="4000" dirty="0"/>
+              <a:t>:</a:t>
+            </a:r>
+            <a:endParaRPr lang="cs-CZ" sz="4000" dirty="0"/>
+          </a:p>
+        </p:txBody>
+      </p:sp>
+      <p:sp>
+        <p:nvSpPr>
+          <p:cNvPr id="7" name="TextovéPole 6">
+            <a:extLst>
+              <a:ext uri="{FF2B5EF4-FFF2-40B4-BE49-F238E27FC236}">
+                <a16:creationId xmlns:a16="http://schemas.microsoft.com/office/drawing/2014/main" id="{BDF92F18-C8C1-6EC1-9F68-B613C2DB79F4}"/>
+              </a:ext>
+            </a:extLst>
+          </p:cNvPr>
+          <p:cNvSpPr txBox="1"/>
+          <p:nvPr/>
+        </p:nvSpPr>
+        <p:spPr>
+          <a:xfrm>
+            <a:off x="465220" y="2245895"/>
+            <a:ext cx="11568283" cy="4031873"/>
+          </a:xfrm>
+          <a:prstGeom prst="rect">
+            <a:avLst/>
+          </a:prstGeom>
+          <a:noFill/>
+        </p:spPr>
+        <p:txBody>
+          <a:bodyPr wrap="square" rtlCol="0">
+            <a:spAutoFit/>
+          </a:bodyPr>
+          <a:lstStyle/>
+          <a:p>
+            <a:r>
+              <a:rPr lang="en-GB" sz="3200" dirty="0"/>
+              <a:t>Import </a:t>
+            </a:r>
+            <a:r>
+              <a:rPr lang="en-GB" sz="3200" dirty="0" err="1"/>
+              <a:t>knihoven</a:t>
+            </a:r>
+            <a:r>
+              <a:rPr lang="en-GB" sz="3200" dirty="0"/>
+              <a:t> "crypt32" k </a:t>
+            </a:r>
+            <a:r>
+              <a:rPr lang="en-GB" sz="3200" dirty="0" err="1"/>
+              <a:t>používání</a:t>
+            </a:r>
+            <a:r>
+              <a:rPr lang="en-GB" sz="3200" dirty="0"/>
+              <a:t> CryptoAPI + "cryptsp.dll“</a:t>
+            </a:r>
+          </a:p>
+          <a:p>
+            <a:r>
+              <a:rPr lang="en-GB" sz="3200" dirty="0" err="1"/>
+              <a:t>Funkce</a:t>
+            </a:r>
+            <a:r>
+              <a:rPr lang="en-GB" sz="3200" dirty="0"/>
+              <a:t> z “</a:t>
+            </a:r>
+            <a:r>
+              <a:rPr lang="en-GB" sz="3200" b="1" dirty="0"/>
+              <a:t>jailbreak</a:t>
+            </a:r>
+            <a:r>
+              <a:rPr lang="en-GB" sz="3200" dirty="0"/>
+              <a:t>” </a:t>
+            </a:r>
+            <a:r>
+              <a:rPr lang="en-GB" sz="3200" dirty="0" err="1"/>
+              <a:t>řešení</a:t>
+            </a:r>
+            <a:r>
+              <a:rPr lang="en-GB" sz="3200" dirty="0"/>
+              <a:t>, </a:t>
+            </a:r>
+            <a:r>
+              <a:rPr lang="en-GB" sz="3200" dirty="0" err="1"/>
+              <a:t>které</a:t>
+            </a:r>
+            <a:r>
+              <a:rPr lang="en-GB" sz="3200" dirty="0"/>
+              <a:t>:</a:t>
+            </a:r>
+          </a:p>
+          <a:p>
+            <a:endParaRPr lang="en-GB" sz="3200" dirty="0"/>
+          </a:p>
+          <a:p>
+            <a:r>
+              <a:rPr lang="en-GB" sz="3200" dirty="0"/>
+              <a:t>- </a:t>
+            </a:r>
+            <a:r>
+              <a:rPr lang="cs-CZ" sz="3200" dirty="0"/>
+              <a:t>Získá</a:t>
+            </a:r>
+            <a:r>
+              <a:rPr lang="en-GB" sz="3200" dirty="0" err="1"/>
+              <a:t>vá</a:t>
+            </a:r>
+            <a:r>
+              <a:rPr lang="cs-CZ" sz="3200" dirty="0"/>
+              <a:t> ukazatele na paměťovou oblast, která obsahuje privátní klíč.</a:t>
+            </a:r>
+          </a:p>
+          <a:p>
+            <a:endParaRPr lang="cs-CZ" sz="3200" dirty="0"/>
+          </a:p>
+          <a:p>
+            <a:r>
+              <a:rPr lang="en-GB" sz="3200" dirty="0"/>
+              <a:t>- M</a:t>
+            </a:r>
+            <a:r>
+              <a:rPr lang="cs-CZ" sz="3200" dirty="0" err="1"/>
+              <a:t>odifik</a:t>
+            </a:r>
+            <a:r>
+              <a:rPr lang="en-GB" sz="3200" dirty="0" err="1"/>
+              <a:t>uje</a:t>
+            </a:r>
+            <a:r>
+              <a:rPr lang="cs-CZ" sz="3200" dirty="0"/>
+              <a:t> </a:t>
+            </a:r>
+            <a:r>
+              <a:rPr lang="cs-CZ" sz="3200" dirty="0" err="1"/>
+              <a:t>specifick</a:t>
+            </a:r>
+            <a:r>
+              <a:rPr lang="en-GB" sz="3200" dirty="0"/>
+              <a:t>é</a:t>
+            </a:r>
+            <a:r>
+              <a:rPr lang="cs-CZ" sz="3200" dirty="0"/>
+              <a:t> bit</a:t>
+            </a:r>
+            <a:r>
+              <a:rPr lang="en-GB" sz="3200" dirty="0"/>
+              <a:t>y</a:t>
+            </a:r>
+            <a:r>
+              <a:rPr lang="cs-CZ" sz="3200" dirty="0"/>
+              <a:t> v paměti</a:t>
+            </a:r>
+            <a:r>
+              <a:rPr lang="en-GB" sz="3200" dirty="0"/>
+              <a:t>. </a:t>
+            </a:r>
+            <a:r>
+              <a:rPr lang="cs-CZ" sz="3200" dirty="0"/>
+              <a:t>Ty</a:t>
+            </a:r>
+            <a:r>
+              <a:rPr lang="en-GB" sz="3200" dirty="0"/>
+              <a:t> </a:t>
+            </a:r>
+            <a:r>
+              <a:rPr lang="cs-CZ" sz="3200" dirty="0" err="1"/>
+              <a:t>ovliv</a:t>
+            </a:r>
+            <a:r>
+              <a:rPr lang="en-GB" sz="3200" dirty="0" err="1"/>
+              <a:t>ní</a:t>
+            </a:r>
+            <a:r>
+              <a:rPr lang="cs-CZ" sz="3200" dirty="0"/>
+              <a:t> </a:t>
+            </a:r>
+            <a:r>
+              <a:rPr lang="cs-CZ" sz="3200" dirty="0" err="1"/>
+              <a:t>exportabilitu</a:t>
+            </a:r>
+            <a:r>
+              <a:rPr lang="cs-CZ" sz="3200" dirty="0"/>
+              <a:t> klíče.</a:t>
+            </a:r>
+          </a:p>
+          <a:p>
+            <a:endParaRPr lang="cs-CZ" sz="3200" dirty="0"/>
+          </a:p>
+          <a:p>
+            <a:r>
+              <a:rPr lang="en-GB" sz="3200" dirty="0"/>
+              <a:t>- </a:t>
+            </a:r>
+            <a:r>
+              <a:rPr lang="cs-CZ" sz="3200" dirty="0"/>
+              <a:t>Po změně bitů v paměti </a:t>
+            </a:r>
+            <a:r>
+              <a:rPr lang="en-GB" sz="3200" dirty="0"/>
+              <a:t>je</a:t>
+            </a:r>
+            <a:r>
+              <a:rPr lang="cs-CZ" sz="3200" dirty="0"/>
+              <a:t> klíč považován za exportovatelný</a:t>
+            </a:r>
+            <a:r>
+              <a:rPr lang="en-GB" sz="3200" dirty="0"/>
+              <a:t>.</a:t>
+            </a:r>
+            <a:endParaRPr lang="cs-CZ" sz="3200" dirty="0"/>
+          </a:p>
+        </p:txBody>
+      </p:sp>
+    </p:spTree>
+    <p:extLst>
+      <p:ext uri="{BB962C8B-B14F-4D97-AF65-F5344CB8AC3E}">
+        <p14:creationId xmlns:p14="http://schemas.microsoft.com/office/powerpoint/2010/main" val="3018367405"/>
+      </p:ext>
+    </p:extLst>
+  </p:cSld>
+  <p:clrMapOvr>
+    <a:masterClrMapping/>
+  </p:clrMapOvr>
+</p:sld>
+</file>
+
+<file path=ppt/slides/slide7.xml><?xml version="1.0" encoding="utf-8"?>
+<p:sld xmlns:a="http://schemas.openxmlformats.org/drawingml/2006/main" xmlns:r="http://schemas.openxmlformats.org/officeDocument/2006/relationships" xmlns:p="http://schemas.openxmlformats.org/presentationml/2006/main">
+  <p:cSld>
+    <p:bg>
+      <p:bgPr>
+        <a:solidFill>
+          <a:schemeClr val="bg1"/>
+        </a:solidFill>
+        <a:effectLst/>
+      </p:bgPr>
+    </p:bg>
+    <p:spTree>
+      <p:nvGrpSpPr>
+        <p:cNvPr id="1" name=""/>
+        <p:cNvGrpSpPr/>
+        <p:nvPr/>
+      </p:nvGrpSpPr>
+      <p:grpSpPr>
+        <a:xfrm>
+          <a:off x="0" y="0"/>
+          <a:ext cx="0" cy="0"/>
+          <a:chOff x="0" y="0"/>
+          <a:chExt cx="0" cy="0"/>
+        </a:xfrm>
+      </p:grpSpPr>
+      <p:pic>
+        <p:nvPicPr>
+          <p:cNvPr id="5" name="Obrázek 4" descr="Obsah obrázku Písmo, Grafika, text, grafický design&#10;&#10;Popis byl vytvořen automaticky">
+            <a:extLst>
+              <a:ext uri="{FF2B5EF4-FFF2-40B4-BE49-F238E27FC236}">
+                <a16:creationId xmlns:a16="http://schemas.microsoft.com/office/drawing/2014/main" id="{2D44BFEA-F427-DF60-6285-6A3883A50C92}"/>
+              </a:ext>
+            </a:extLst>
+          </p:cNvPr>
+          <p:cNvPicPr>
+            <a:picLocks noChangeAspect="1"/>
+          </p:cNvPicPr>
+          <p:nvPr/>
+        </p:nvPicPr>
+        <p:blipFill>
+          <a:blip r:embed="rId2">
+            <a:extLst>
+              <a:ext uri="{28A0092B-C50C-407E-A947-70E740481C1C}">
+                <a14:useLocalDpi xmlns:a14="http://schemas.microsoft.com/office/drawing/2010/main" val="0"/>
+              </a:ext>
+            </a:extLst>
+          </a:blip>
+          <a:stretch>
+            <a:fillRect/>
+          </a:stretch>
+        </p:blipFill>
+        <p:spPr>
+          <a:xfrm>
+            <a:off x="3742427" y="-17739"/>
+            <a:ext cx="4702549" cy="1269688"/>
+          </a:xfrm>
+          <a:prstGeom prst="rect">
+            <a:avLst/>
+          </a:prstGeom>
+        </p:spPr>
+      </p:pic>
+      <p:sp>
+        <p:nvSpPr>
+          <p:cNvPr id="6" name="TextovéPole 5">
+            <a:extLst>
+              <a:ext uri="{FF2B5EF4-FFF2-40B4-BE49-F238E27FC236}">
+                <a16:creationId xmlns:a16="http://schemas.microsoft.com/office/drawing/2014/main" id="{5DDB7B25-15F3-ACEA-E6CE-164217B3BD00}"/>
+              </a:ext>
+            </a:extLst>
+          </p:cNvPr>
+          <p:cNvSpPr txBox="1"/>
+          <p:nvPr/>
+        </p:nvSpPr>
+        <p:spPr>
+          <a:xfrm>
+            <a:off x="151501" y="1251949"/>
+            <a:ext cx="8708063" cy="707886"/>
+          </a:xfrm>
+          <a:prstGeom prst="rect">
+            <a:avLst/>
+          </a:prstGeom>
+          <a:noFill/>
+        </p:spPr>
+        <p:txBody>
+          <a:bodyPr wrap="square" rtlCol="0">
+            <a:spAutoFit/>
+          </a:bodyPr>
+          <a:lstStyle/>
+          <a:p>
+            <a:r>
+              <a:rPr lang="en-GB" sz="4000" dirty="0" err="1"/>
+              <a:t>Přenos</a:t>
+            </a:r>
+            <a:r>
+              <a:rPr lang="en-GB" sz="4000" dirty="0"/>
+              <a:t> </a:t>
+            </a:r>
+            <a:r>
+              <a:rPr lang="en-GB" sz="4000" dirty="0" err="1"/>
+              <a:t>exportovaného</a:t>
+            </a:r>
+            <a:r>
+              <a:rPr lang="en-GB" sz="4000" dirty="0"/>
+              <a:t> </a:t>
+            </a:r>
+            <a:r>
+              <a:rPr lang="en-GB" sz="4000" dirty="0" err="1"/>
+              <a:t>souboru</a:t>
+            </a:r>
+            <a:endParaRPr lang="cs-CZ" sz="4000" dirty="0"/>
+          </a:p>
+        </p:txBody>
+      </p:sp>
+      <p:sp>
+        <p:nvSpPr>
+          <p:cNvPr id="7" name="TextovéPole 6">
+            <a:extLst>
+              <a:ext uri="{FF2B5EF4-FFF2-40B4-BE49-F238E27FC236}">
+                <a16:creationId xmlns:a16="http://schemas.microsoft.com/office/drawing/2014/main" id="{BDF92F18-C8C1-6EC1-9F68-B613C2DB79F4}"/>
+              </a:ext>
+            </a:extLst>
+          </p:cNvPr>
+          <p:cNvSpPr txBox="1"/>
+          <p:nvPr/>
+        </p:nvSpPr>
+        <p:spPr>
+          <a:xfrm>
+            <a:off x="465221" y="2245895"/>
+            <a:ext cx="11245516" cy="2062103"/>
+          </a:xfrm>
+          <a:prstGeom prst="rect">
+            <a:avLst/>
+          </a:prstGeom>
+          <a:noFill/>
+        </p:spPr>
+        <p:txBody>
+          <a:bodyPr wrap="square" rtlCol="0">
+            <a:spAutoFit/>
+          </a:bodyPr>
+          <a:lstStyle/>
+          <a:p>
+            <a:r>
+              <a:rPr lang="en-GB" sz="3200" dirty="0"/>
+              <a:t>- </a:t>
+            </a:r>
+            <a:r>
               <a:rPr lang="en-GB" sz="3200" dirty="0" err="1"/>
               <a:t>Knihovna</a:t>
             </a:r>
             <a:r>
               <a:rPr lang="en-GB" sz="3200" dirty="0"/>
-              <a:t> "curl" pro </a:t>
+              <a:t> "</a:t>
+            </a:r>
+            <a:r>
+              <a:rPr lang="en-GB" sz="3200" b="1" dirty="0"/>
+              <a:t>curl</a:t>
+            </a:r>
+            <a:r>
+              <a:rPr lang="en-GB" sz="3200" dirty="0"/>
+              <a:t>" pro </a:t>
             </a:r>
             <a:r>
               <a:rPr lang="en-GB" sz="3200" dirty="0" err="1"/>
@@ -3975,6 +5063,63 @@
             <a:r>
               <a:rPr lang="en-GB" sz="3200" dirty="0" err="1"/>
               <a:t>cmd</a:t>
+            </a:r>
+            <a:endParaRPr lang="en-GB" sz="3200" dirty="0"/>
+          </a:p>
+          <a:p>
+            <a:endParaRPr lang="en-GB" sz="3200" dirty="0"/>
+          </a:p>
+          <a:p>
+            <a:endParaRPr lang="en-GB" sz="3200" dirty="0"/>
+          </a:p>
+          <a:p>
+            <a:r>
+              <a:rPr lang="en-GB" sz="3200" dirty="0"/>
+              <a:t>- </a:t>
+            </a:r>
+            <a:r>
+              <a:rPr lang="en-GB" sz="3200" dirty="0" err="1"/>
+              <a:t>Vlastní</a:t>
+            </a:r>
+            <a:r>
+              <a:rPr lang="en-GB" sz="3200" dirty="0"/>
+              <a:t> </a:t>
+            </a:r>
+            <a:r>
+              <a:rPr lang="en-GB" sz="3200" dirty="0" err="1"/>
+              <a:t>doména</a:t>
+            </a:r>
+            <a:r>
+              <a:rPr lang="en-GB" sz="3200" dirty="0"/>
+              <a:t> s </a:t>
+            </a:r>
+            <a:r>
+              <a:rPr lang="en-GB" sz="3200" b="1" dirty="0"/>
+              <a:t>PHP</a:t>
+            </a:r>
+            <a:r>
+              <a:rPr lang="en-GB" sz="3200" dirty="0"/>
+              <a:t> </a:t>
+            </a:r>
+            <a:r>
+              <a:rPr lang="en-GB" sz="3200" b="1" dirty="0"/>
+              <a:t>upload</a:t>
+            </a:r>
+            <a:r>
+              <a:rPr lang="en-GB" sz="3200" dirty="0"/>
+              <a:t> </a:t>
+            </a:r>
+            <a:r>
+              <a:rPr lang="en-GB" sz="3200" dirty="0" err="1"/>
+              <a:t>stránkou</a:t>
+            </a:r>
+            <a:r>
+              <a:rPr lang="en-GB" sz="3200" dirty="0"/>
+              <a:t> + </a:t>
+            </a:r>
+            <a:r>
+              <a:rPr lang="en-GB" sz="3200" dirty="0" err="1"/>
+              <a:t>heslo</a:t>
             </a:r>
             <a:endParaRPr lang="en-GB" sz="3200" dirty="0"/>
           </a:p>
@@ -3993,7 +5138,7 @@
 </p:sld>
 </file>
 
-<file path=ppt/slides/slide5.xml><?xml version="1.0" encoding="utf-8"?>
+<file path=ppt/slides/slide8.xml><?xml version="1.0" encoding="utf-8"?>
 <p:sld xmlns:a="http://schemas.openxmlformats.org/drawingml/2006/main" xmlns:r="http://schemas.openxmlformats.org/officeDocument/2006/relationships" xmlns:p="http://schemas.openxmlformats.org/presentationml/2006/main">
   <p:cSld>
     <p:bg>
@@ -4082,7 +5227,7 @@
         </p:blipFill>
         <p:spPr>
           <a:xfrm>
-            <a:off x="0" y="1062789"/>
+            <a:off x="0" y="1620573"/>
             <a:ext cx="12192000" cy="4856748"/>
           </a:xfrm>
           <a:prstGeom prst="rect">
@@ -4090,6 +5235,42 @@
           </a:prstGeom>
         </p:spPr>
       </p:pic>
+      <p:sp>
+        <p:nvSpPr>
+          <p:cNvPr id="2" name="TextovéPole 1">
+            <a:extLst>
+              <a:ext uri="{FF2B5EF4-FFF2-40B4-BE49-F238E27FC236}">
+                <a16:creationId xmlns:a16="http://schemas.microsoft.com/office/drawing/2014/main" id="{3553729D-CB2E-DA56-6664-7D422CA1B31B}"/>
+              </a:ext>
+            </a:extLst>
+          </p:cNvPr>
+          <p:cNvSpPr txBox="1"/>
+          <p:nvPr/>
+        </p:nvSpPr>
+        <p:spPr>
+          <a:xfrm>
+            <a:off x="4992624" y="1251950"/>
+            <a:ext cx="2459736" cy="707886"/>
+          </a:xfrm>
+          <a:prstGeom prst="rect">
+            <a:avLst/>
+          </a:prstGeom>
+          <a:noFill/>
+        </p:spPr>
+        <p:txBody>
+          <a:bodyPr wrap="square" rtlCol="0">
+            <a:spAutoFit/>
+          </a:bodyPr>
+          <a:lstStyle/>
+          <a:p>
+            <a:r>
+              <a:rPr lang="en-GB" sz="4000" dirty="0" err="1"/>
+              <a:t>Struktura</a:t>
+            </a:r>
+            <a:endParaRPr lang="cs-CZ" sz="3200" dirty="0"/>
+          </a:p>
+        </p:txBody>
+      </p:sp>
     </p:spTree>
     <p:extLst>
       <p:ext uri="{BB962C8B-B14F-4D97-AF65-F5344CB8AC3E}">
@@ -4103,7 +5284,7 @@
 </p:sld>
 </file>
 
-<file path=ppt/slides/slide6.xml><?xml version="1.0" encoding="utf-8"?>
+<file path=ppt/slides/slide9.xml><?xml version="1.0" encoding="utf-8"?>
 <p:sld xmlns:a="http://schemas.openxmlformats.org/drawingml/2006/main" xmlns:r="http://schemas.openxmlformats.org/officeDocument/2006/relationships" xmlns:p="http://schemas.openxmlformats.org/presentationml/2006/main">
   <p:cSld>
     <p:bg>
@@ -4233,124 +5414,6 @@
     <p:extLst>
       <p:ext uri="{BB962C8B-B14F-4D97-AF65-F5344CB8AC3E}">
         <p14:creationId xmlns:p14="http://schemas.microsoft.com/office/powerpoint/2010/main" val="1412101013"/>
-      </p:ext>
-    </p:extLst>
-  </p:cSld>
-  <p:clrMapOvr>
-    <a:masterClrMapping/>
-  </p:clrMapOvr>
-</p:sld>
-</file>
-
-<file path=ppt/slides/slide7.xml><?xml version="1.0" encoding="utf-8"?>
-<p:sld xmlns:a="http://schemas.openxmlformats.org/drawingml/2006/main" xmlns:r="http://schemas.openxmlformats.org/officeDocument/2006/relationships" xmlns:p="http://schemas.openxmlformats.org/presentationml/2006/main">
-  <p:cSld>
-    <p:bg>
-      <p:bgPr>
-        <a:solidFill>
-          <a:schemeClr val="bg1"/>
-        </a:solidFill>
-        <a:effectLst/>
-      </p:bgPr>
-    </p:bg>
-    <p:spTree>
-      <p:nvGrpSpPr>
-        <p:cNvPr id="1" name=""/>
-        <p:cNvGrpSpPr/>
-        <p:nvPr/>
-      </p:nvGrpSpPr>
-      <p:grpSpPr>
-        <a:xfrm>
-          <a:off x="0" y="0"/>
-          <a:ext cx="0" cy="0"/>
-          <a:chOff x="0" y="0"/>
-          <a:chExt cx="0" cy="0"/>
-        </a:xfrm>
-      </p:grpSpPr>
-      <p:pic>
-        <p:nvPicPr>
-          <p:cNvPr id="5" name="Obrázek 4" descr="Obsah obrázku Písmo, Grafika, text, grafický design&#10;&#10;Popis byl vytvořen automaticky">
-            <a:extLst>
-              <a:ext uri="{FF2B5EF4-FFF2-40B4-BE49-F238E27FC236}">
-                <a16:creationId xmlns:a16="http://schemas.microsoft.com/office/drawing/2014/main" id="{2D44BFEA-F427-DF60-6285-6A3883A50C92}"/>
-              </a:ext>
-            </a:extLst>
-          </p:cNvPr>
-          <p:cNvPicPr>
-            <a:picLocks noChangeAspect="1"/>
-          </p:cNvPicPr>
-          <p:nvPr/>
-        </p:nvPicPr>
-        <p:blipFill>
-          <a:blip r:embed="rId2">
-            <a:extLst>
-              <a:ext uri="{28A0092B-C50C-407E-A947-70E740481C1C}">
-                <a14:useLocalDpi xmlns:a14="http://schemas.microsoft.com/office/drawing/2010/main" val="0"/>
-              </a:ext>
-            </a:extLst>
-          </a:blip>
-          <a:stretch>
-            <a:fillRect/>
-          </a:stretch>
-        </p:blipFill>
-        <p:spPr>
-          <a:xfrm>
-            <a:off x="3742427" y="-17739"/>
-            <a:ext cx="4702549" cy="1269688"/>
-          </a:xfrm>
-          <a:prstGeom prst="rect">
-            <a:avLst/>
-          </a:prstGeom>
-        </p:spPr>
-      </p:pic>
-      <p:sp>
-        <p:nvSpPr>
-          <p:cNvPr id="6" name="TextovéPole 5">
-            <a:extLst>
-              <a:ext uri="{FF2B5EF4-FFF2-40B4-BE49-F238E27FC236}">
-                <a16:creationId xmlns:a16="http://schemas.microsoft.com/office/drawing/2014/main" id="{5DDB7B25-15F3-ACEA-E6CE-164217B3BD00}"/>
-              </a:ext>
-            </a:extLst>
-          </p:cNvPr>
-          <p:cNvSpPr txBox="1"/>
-          <p:nvPr/>
-        </p:nvSpPr>
-        <p:spPr>
-          <a:xfrm>
-            <a:off x="4517115" y="2721114"/>
-            <a:ext cx="3153172" cy="769441"/>
-          </a:xfrm>
-          <a:prstGeom prst="rect">
-            <a:avLst/>
-          </a:prstGeom>
-          <a:noFill/>
-        </p:spPr>
-        <p:txBody>
-          <a:bodyPr wrap="square" rtlCol="0">
-            <a:spAutoFit/>
-          </a:bodyPr>
-          <a:lstStyle/>
-          <a:p>
-            <a:r>
-              <a:rPr lang="en-GB" sz="4400" dirty="0" err="1"/>
-              <a:t>Ukázka</a:t>
-            </a:r>
-            <a:r>
-              <a:rPr lang="en-GB" sz="4400" dirty="0"/>
-              <a:t> + </a:t>
-            </a:r>
-            <a:r>
-              <a:rPr lang="en-GB" sz="4400" dirty="0" err="1"/>
-              <a:t>kód</a:t>
-            </a:r>
-            <a:endParaRPr lang="cs-CZ" sz="4400" dirty="0"/>
-          </a:p>
-        </p:txBody>
-      </p:sp>
-    </p:spTree>
-    <p:extLst>
-      <p:ext uri="{BB962C8B-B14F-4D97-AF65-F5344CB8AC3E}">
-        <p14:creationId xmlns:p14="http://schemas.microsoft.com/office/powerpoint/2010/main" val="3716632340"/>
       </p:ext>
     </p:extLst>
   </p:cSld>
